--- a/Super Marivo.pptx
+++ b/Super Marivo.pptx
@@ -8,9 +8,8 @@
     <p:sldId id="256" r:id="rId2"/>
     <p:sldId id="257" r:id="rId3"/>
     <p:sldId id="258" r:id="rId4"/>
-    <p:sldId id="259" r:id="rId5"/>
-    <p:sldId id="260" r:id="rId6"/>
-    <p:sldId id="261" r:id="rId7"/>
+    <p:sldId id="262" r:id="rId5"/>
+    <p:sldId id="263" r:id="rId6"/>
   </p:sldIdLst>
   <p:sldSz cx="12192000" cy="6858000"/>
   <p:notesSz cx="6858000" cy="9144000"/>
@@ -109,6 +108,11 @@
       </a:defRPr>
     </a:lvl9pPr>
   </p:defaultTextStyle>
+  <p:extLst>
+    <p:ext uri="{EFAFB233-063F-42B5-8137-9DF3F51BA10A}">
+      <p15:sldGuideLst xmlns:p15="http://schemas.microsoft.com/office/powerpoint/2012/main"/>
+    </p:ext>
+  </p:extLst>
 </p:presentation>
 </file>
 
@@ -835,7 +839,7 @@
             <a:fld id="{B61BEF0D-F0BB-DE4B-95CE-6DB70DBA9567}" type="datetimeFigureOut">
               <a:rPr lang="en-US" dirty="0"/>
               <a:pPr/>
-              <a:t>2/13/2019</a:t>
+              <a:t>2/16/2019</a:t>
             </a:fld>
             <a:endParaRPr lang="en-US" dirty="0"/>
           </a:p>
@@ -1083,7 +1087,7 @@
             <a:fld id="{B61BEF0D-F0BB-DE4B-95CE-6DB70DBA9567}" type="datetimeFigureOut">
               <a:rPr lang="en-US" dirty="0"/>
               <a:pPr/>
-              <a:t>2/13/2019</a:t>
+              <a:t>2/16/2019</a:t>
             </a:fld>
             <a:endParaRPr lang="en-US" dirty="0"/>
           </a:p>
@@ -1394,7 +1398,7 @@
             <a:fld id="{B61BEF0D-F0BB-DE4B-95CE-6DB70DBA9567}" type="datetimeFigureOut">
               <a:rPr lang="en-US" dirty="0"/>
               <a:pPr/>
-              <a:t>2/13/2019</a:t>
+              <a:t>2/16/2019</a:t>
             </a:fld>
             <a:endParaRPr lang="en-US" dirty="0"/>
           </a:p>
@@ -1732,7 +1736,7 @@
             <a:fld id="{B61BEF0D-F0BB-DE4B-95CE-6DB70DBA9567}" type="datetimeFigureOut">
               <a:rPr lang="en-US" dirty="0"/>
               <a:pPr/>
-              <a:t>2/13/2019</a:t>
+              <a:t>2/16/2019</a:t>
             </a:fld>
             <a:endParaRPr lang="en-US" dirty="0"/>
           </a:p>
@@ -2043,7 +2047,7 @@
             <a:fld id="{B61BEF0D-F0BB-DE4B-95CE-6DB70DBA9567}" type="datetimeFigureOut">
               <a:rPr lang="en-US" dirty="0"/>
               <a:pPr/>
-              <a:t>2/13/2019</a:t>
+              <a:t>2/16/2019</a:t>
             </a:fld>
             <a:endParaRPr lang="en-US" dirty="0"/>
           </a:p>
@@ -2433,7 +2437,7 @@
             <a:fld id="{B61BEF0D-F0BB-DE4B-95CE-6DB70DBA9567}" type="datetimeFigureOut">
               <a:rPr lang="en-US" dirty="0"/>
               <a:pPr/>
-              <a:t>2/13/2019</a:t>
+              <a:t>2/16/2019</a:t>
             </a:fld>
             <a:endParaRPr lang="en-US" dirty="0"/>
           </a:p>
@@ -2599,7 +2603,7 @@
           <a:p>
             <a:fld id="{55C6B4A9-1611-4792-9094-5F34BCA07E0B}" type="datetimeFigureOut">
               <a:rPr lang="en-US" dirty="0"/>
-              <a:t>2/13/2019</a:t>
+              <a:t>2/16/2019</a:t>
             </a:fld>
             <a:endParaRPr lang="en-US" dirty="0"/>
           </a:p>
@@ -2775,7 +2779,7 @@
             <a:fld id="{B61BEF0D-F0BB-DE4B-95CE-6DB70DBA9567}" type="datetimeFigureOut">
               <a:rPr lang="en-US" dirty="0"/>
               <a:pPr/>
-              <a:t>2/13/2019</a:t>
+              <a:t>2/16/2019</a:t>
             </a:fld>
             <a:endParaRPr lang="en-US" dirty="0"/>
           </a:p>
@@ -2948,7 +2952,7 @@
             <a:fld id="{B61BEF0D-F0BB-DE4B-95CE-6DB70DBA9567}" type="datetimeFigureOut">
               <a:rPr lang="en-US" dirty="0"/>
               <a:pPr/>
-              <a:t>2/13/2019</a:t>
+              <a:t>2/16/2019</a:t>
             </a:fld>
             <a:endParaRPr lang="en-US" dirty="0"/>
           </a:p>
@@ -3192,7 +3196,7 @@
             <a:fld id="{B61BEF0D-F0BB-DE4B-95CE-6DB70DBA9567}" type="datetimeFigureOut">
               <a:rPr lang="en-US" dirty="0"/>
               <a:pPr/>
-              <a:t>2/13/2019</a:t>
+              <a:t>2/16/2019</a:t>
             </a:fld>
             <a:endParaRPr lang="en-US" dirty="0"/>
           </a:p>
@@ -3420,7 +3424,7 @@
           <a:p>
             <a:fld id="{EB712588-04B1-427B-82EE-E8DB90309F08}" type="datetimeFigureOut">
               <a:rPr lang="en-US" dirty="0"/>
-              <a:t>2/13/2019</a:t>
+              <a:t>2/16/2019</a:t>
             </a:fld>
             <a:endParaRPr lang="en-US" dirty="0"/>
           </a:p>
@@ -3790,7 +3794,7 @@
             <a:fld id="{B61BEF0D-F0BB-DE4B-95CE-6DB70DBA9567}" type="datetimeFigureOut">
               <a:rPr lang="en-US" dirty="0"/>
               <a:pPr/>
-              <a:t>2/13/2019</a:t>
+              <a:t>2/16/2019</a:t>
             </a:fld>
             <a:endParaRPr lang="en-US" dirty="0"/>
           </a:p>
@@ -3910,7 +3914,7 @@
             <a:fld id="{B61BEF0D-F0BB-DE4B-95CE-6DB70DBA9567}" type="datetimeFigureOut">
               <a:rPr lang="en-US" dirty="0"/>
               <a:pPr/>
-              <a:t>2/13/2019</a:t>
+              <a:t>2/16/2019</a:t>
             </a:fld>
             <a:endParaRPr lang="en-US" dirty="0"/>
           </a:p>
@@ -4002,7 +4006,7 @@
             <a:fld id="{B61BEF0D-F0BB-DE4B-95CE-6DB70DBA9567}" type="datetimeFigureOut">
               <a:rPr lang="en-US" dirty="0"/>
               <a:pPr/>
-              <a:t>2/13/2019</a:t>
+              <a:t>2/16/2019</a:t>
             </a:fld>
             <a:endParaRPr lang="en-US" dirty="0"/>
           </a:p>
@@ -4253,7 +4257,7 @@
           <a:p>
             <a:fld id="{42A54C80-263E-416B-A8E0-580EDEADCBDC}" type="datetimeFigureOut">
               <a:rPr lang="en-US" dirty="0"/>
-              <a:t>2/13/2019</a:t>
+              <a:t>2/16/2019</a:t>
             </a:fld>
             <a:endParaRPr lang="en-US" dirty="0"/>
           </a:p>
@@ -4512,7 +4516,7 @@
             <a:fld id="{B61BEF0D-F0BB-DE4B-95CE-6DB70DBA9567}" type="datetimeFigureOut">
               <a:rPr lang="en-US" dirty="0"/>
               <a:pPr/>
-              <a:t>2/13/2019</a:t>
+              <a:t>2/16/2019</a:t>
             </a:fld>
             <a:endParaRPr lang="en-US" dirty="0"/>
           </a:p>
@@ -5252,7 +5256,7 @@
             <a:fld id="{B61BEF0D-F0BB-DE4B-95CE-6DB70DBA9567}" type="datetimeFigureOut">
               <a:rPr lang="en-US" dirty="0"/>
               <a:pPr/>
-              <a:t>2/13/2019</a:t>
+              <a:t>2/16/2019</a:t>
             </a:fld>
             <a:endParaRPr lang="en-US" dirty="0"/>
           </a:p>
@@ -5840,6 +5844,13 @@
   <p:clrMapOvr>
     <a:masterClrMapping/>
   </p:clrMapOvr>
+  <p:timing>
+    <p:tnLst>
+      <p:par>
+        <p:cTn id="1" dur="indefinite" restart="never" nodeType="tmRoot"/>
+      </p:par>
+    </p:tnLst>
+  </p:timing>
 </p:sld>
 </file>
 
@@ -5902,7 +5913,7 @@
           <a:p>
             <a:r>
               <a:rPr lang="ru-RU" sz="3200" dirty="0" smtClean="0"/>
-              <a:t>Порт оригинальной игры </a:t>
+              <a:t>Ремейк оригинальной игры </a:t>
             </a:r>
             <a:r>
               <a:rPr lang="en-US" sz="3200" dirty="0" smtClean="0"/>
@@ -5935,6 +5946,13 @@
   <p:clrMapOvr>
     <a:masterClrMapping/>
   </p:clrMapOvr>
+  <p:timing>
+    <p:tnLst>
+      <p:par>
+        <p:cTn id="1" dur="indefinite" restart="never" nodeType="tmRoot"/>
+      </p:par>
+    </p:tnLst>
+  </p:timing>
 </p:sld>
 </file>
 
@@ -5971,61 +5989,41 @@
           <a:lstStyle/>
           <a:p>
             <a:r>
+              <a:rPr lang="ru-RU" dirty="0"/>
+              <a:t>Описание реализации</a:t>
+            </a:r>
+          </a:p>
+        </p:txBody>
+      </p:sp>
+      <p:sp>
+        <p:nvSpPr>
+          <p:cNvPr id="3" name="Объект 2"/>
+          <p:cNvSpPr>
+            <a:spLocks noGrp="1"/>
+          </p:cNvSpPr>
+          <p:nvPr>
+            <p:ph idx="1"/>
+          </p:nvPr>
+        </p:nvSpPr>
+        <p:spPr/>
+        <p:txBody>
+          <a:bodyPr/>
+          <a:lstStyle/>
+          <a:p>
+            <a:r>
               <a:rPr lang="ru-RU" dirty="0" smtClean="0"/>
-              <a:t>Марио</a:t>
-            </a:r>
-            <a:endParaRPr lang="ru-RU" dirty="0"/>
-          </a:p>
-        </p:txBody>
-      </p:sp>
-      <p:sp>
-        <p:nvSpPr>
-          <p:cNvPr id="3" name="Объект 2"/>
-          <p:cNvSpPr>
-            <a:spLocks noGrp="1"/>
-          </p:cNvSpPr>
-          <p:nvPr>
-            <p:ph idx="1"/>
-          </p:nvPr>
-        </p:nvSpPr>
-        <p:spPr/>
-        <p:txBody>
-          <a:bodyPr/>
-          <a:lstStyle/>
+              <a:t>Создан с использованием библиотеки </a:t>
+            </a:r>
+            <a:r>
+              <a:rPr lang="en-US" dirty="0" err="1" smtClean="0"/>
+              <a:t>Pygame</a:t>
+            </a:r>
+            <a:endParaRPr lang="en-US" dirty="0" smtClean="0"/>
+          </a:p>
           <a:p>
             <a:r>
               <a:rPr lang="ru-RU" dirty="0" smtClean="0"/>
-              <a:t>- это объект класса </a:t>
-            </a:r>
-            <a:r>
-              <a:rPr lang="en-US" dirty="0" smtClean="0"/>
-              <a:t>Player</a:t>
-            </a:r>
-            <a:r>
-              <a:rPr lang="ru-RU" dirty="0" smtClean="0"/>
-              <a:t>, наследованный от </a:t>
-            </a:r>
-            <a:r>
-              <a:rPr lang="en-US" dirty="0" err="1" smtClean="0"/>
-              <a:t>BaseCharacter</a:t>
-            </a:r>
-            <a:r>
-              <a:rPr lang="en-US" dirty="0" smtClean="0"/>
-              <a:t>.</a:t>
-            </a:r>
-          </a:p>
-          <a:p>
-            <a:r>
-              <a:rPr lang="ru-RU" dirty="0" smtClean="0"/>
-              <a:t>Имеются состояния: маленький </a:t>
-            </a:r>
-            <a:r>
-              <a:rPr lang="ru-RU" dirty="0" err="1" smtClean="0"/>
-              <a:t>марио</a:t>
-            </a:r>
-            <a:r>
-              <a:rPr lang="ru-RU" dirty="0" smtClean="0"/>
-              <a:t>, большой и пожарник, который умеет стрелять </a:t>
+              <a:t>Имеются состояния: маленький Марио, большой и Огненный, который умеет стрелять </a:t>
             </a:r>
             <a:r>
               <a:rPr lang="ru-RU" dirty="0" err="1" smtClean="0"/>
@@ -6067,25 +6065,44 @@
           <a:p>
             <a:r>
               <a:rPr lang="ru-RU" dirty="0" smtClean="0"/>
-              <a:t>Удобнее было обрабатывать все события именно в классе </a:t>
+              <a:t>Одушевленные объекты рисуют по 4-м сторонам вокруг себя спрайты, с помощью которых происходит продвинутая обработка коллизий. </a:t>
+            </a:r>
+            <a:endParaRPr lang="en-US" dirty="0" smtClean="0"/>
+          </a:p>
+          <a:p>
+            <a:r>
+              <a:rPr lang="ru-RU" dirty="0" smtClean="0"/>
+              <a:t>Карты хранятся в </a:t>
             </a:r>
             <a:r>
               <a:rPr lang="en-US" dirty="0" smtClean="0"/>
-              <a:t>Player, </a:t>
+              <a:t>JSON-</a:t>
             </a:r>
             <a:r>
               <a:rPr lang="ru-RU" dirty="0" smtClean="0"/>
-              <a:t>чтобы не захламлять </a:t>
-            </a:r>
-            <a:r>
-              <a:rPr lang="en-US" dirty="0" smtClean="0"/>
-              <a:t>Main</a:t>
-            </a:r>
-          </a:p>
-          <a:p>
-            <a:pPr marL="0" indent="0">
-              <a:buNone/>
-            </a:pPr>
+              <a:t>файлах</a:t>
+            </a:r>
+          </a:p>
+          <a:p>
+            <a:r>
+              <a:rPr lang="ru-RU" dirty="0"/>
+              <a:t>Спрайты создавались так, что можно без особого труда </a:t>
+            </a:r>
+            <a:r>
+              <a:rPr lang="ru-RU" dirty="0" smtClean="0"/>
+              <a:t>создавать </a:t>
+            </a:r>
+            <a:r>
+              <a:rPr lang="ru-RU" dirty="0"/>
+              <a:t>карты в других мирах – подземном, подводном, </a:t>
+            </a:r>
+            <a:r>
+              <a:rPr lang="ru-RU" dirty="0" smtClean="0"/>
+              <a:t>замке</a:t>
+            </a:r>
+            <a:endParaRPr lang="ru-RU" dirty="0"/>
+          </a:p>
+          <a:p>
             <a:endParaRPr lang="en-US" dirty="0" smtClean="0"/>
           </a:p>
         </p:txBody>
@@ -6100,6 +6117,13 @@
   <p:clrMapOvr>
     <a:masterClrMapping/>
   </p:clrMapOvr>
+  <p:timing>
+    <p:tnLst>
+      <p:par>
+        <p:cTn id="1" dur="indefinite" restart="never" nodeType="tmRoot"/>
+      </p:par>
+    </p:tnLst>
+  </p:timing>
 </p:sld>
 </file>
 
@@ -6137,7 +6161,15 @@
           <a:p>
             <a:r>
               <a:rPr lang="ru-RU" dirty="0" smtClean="0"/>
-              <a:t>Враги</a:t>
+              <a:t>Модули</a:t>
+            </a:r>
+            <a:r>
+              <a:rPr lang="en-US" dirty="0" smtClean="0"/>
+              <a:t> </a:t>
+            </a:r>
+            <a:r>
+              <a:rPr lang="ru-RU" dirty="0" smtClean="0"/>
+              <a:t>и классы</a:t>
             </a:r>
             <a:endParaRPr lang="ru-RU" dirty="0"/>
           </a:p>
@@ -6153,10 +6185,58 @@
             <p:ph idx="1"/>
           </p:nvPr>
         </p:nvSpPr>
-        <p:spPr/>
-        <p:txBody>
-          <a:bodyPr/>
-          <a:lstStyle/>
+        <p:spPr>
+          <a:xfrm>
+            <a:off x="677333" y="2160589"/>
+            <a:ext cx="9433317" cy="4488405"/>
+          </a:xfrm>
+        </p:spPr>
+        <p:txBody>
+          <a:bodyPr>
+            <a:normAutofit/>
+          </a:bodyPr>
+          <a:lstStyle/>
+          <a:p>
+            <a:r>
+              <a:rPr lang="en-US" dirty="0" err="1" smtClean="0"/>
+              <a:t>BaseCharacter</a:t>
+            </a:r>
+            <a:r>
+              <a:rPr lang="ru-RU" dirty="0" smtClean="0"/>
+              <a:t> – гравитация, ограничение скорости падения, коллизии персонажей</a:t>
+            </a:r>
+          </a:p>
+          <a:p>
+            <a:r>
+              <a:rPr lang="en-US" dirty="0" smtClean="0"/>
+              <a:t>Castle, </a:t>
+            </a:r>
+            <a:r>
+              <a:rPr lang="en-US" dirty="0" err="1" smtClean="0"/>
+              <a:t>FlagPole</a:t>
+            </a:r>
+            <a:r>
+              <a:rPr lang="en-US" dirty="0" smtClean="0"/>
+              <a:t>, Flag – </a:t>
+            </a:r>
+            <a:r>
+              <a:rPr lang="ru-RU" dirty="0" smtClean="0"/>
+              <a:t>замок</a:t>
+            </a:r>
+            <a:r>
+              <a:rPr lang="en-US" dirty="0" smtClean="0"/>
+              <a:t>, </a:t>
+            </a:r>
+            <a:r>
+              <a:rPr lang="ru-RU" dirty="0" err="1" smtClean="0"/>
+              <a:t>флагшкок</a:t>
+            </a:r>
+            <a:r>
+              <a:rPr lang="ru-RU" dirty="0" smtClean="0"/>
+              <a:t>, флаг в конце уровня</a:t>
+            </a:r>
+            <a:endParaRPr lang="en-US" dirty="0" smtClean="0"/>
+          </a:p>
           <a:p>
             <a:r>
               <a:rPr lang="en-US" dirty="0" err="1" smtClean="0"/>
@@ -6164,131 +6244,169 @@
             </a:r>
             <a:r>
               <a:rPr lang="en-US" dirty="0" smtClean="0"/>
-              <a:t>						</a:t>
+              <a:t>, </a:t>
             </a:r>
             <a:r>
               <a:rPr lang="en-US" dirty="0" err="1" smtClean="0"/>
               <a:t>Koopa</a:t>
             </a:r>
             <a:r>
-              <a:rPr lang="en-US" dirty="0"/>
-              <a:t>	</a:t>
-            </a:r>
-            <a:r>
               <a:rPr lang="en-US" dirty="0" smtClean="0"/>
-              <a:t>				</a:t>
+              <a:t>, </a:t>
             </a:r>
             <a:r>
               <a:rPr lang="en-US" dirty="0" err="1" smtClean="0"/>
               <a:t>JumpingKoopa</a:t>
             </a:r>
-            <a:endParaRPr lang="ru-RU" dirty="0"/>
-          </a:p>
-          <a:p>
+            <a:r>
+              <a:rPr lang="en-US" dirty="0" smtClean="0"/>
+              <a:t> – </a:t>
+            </a:r>
+            <a:r>
+              <a:rPr lang="ru-RU" dirty="0" smtClean="0"/>
+              <a:t>враги</a:t>
+            </a:r>
+          </a:p>
+          <a:p>
+            <a:r>
+              <a:rPr lang="en-US" dirty="0" smtClean="0"/>
+              <a:t>Items – </a:t>
+            </a:r>
+            <a:r>
+              <a:rPr lang="ru-RU" dirty="0" smtClean="0"/>
+              <a:t>различные бонусы, появляющиеся из блоков и находящиеся на карте</a:t>
+            </a:r>
+          </a:p>
+          <a:p>
+            <a:r>
+              <a:rPr lang="en-US" dirty="0" smtClean="0"/>
+              <a:t>Map, </a:t>
+            </a:r>
+            <a:r>
+              <a:rPr lang="en-US" dirty="0" err="1"/>
+              <a:t>MapBase</a:t>
+            </a:r>
+            <a:r>
+              <a:rPr lang="en-US" dirty="0" smtClean="0"/>
+              <a:t> – </a:t>
+            </a:r>
+            <a:r>
+              <a:rPr lang="ru-RU" dirty="0" smtClean="0"/>
+              <a:t>загрузка и преобразование </a:t>
+            </a:r>
+            <a:r>
+              <a:rPr lang="en-US" dirty="0" smtClean="0"/>
+              <a:t>JSON </a:t>
+            </a:r>
+            <a:r>
+              <a:rPr lang="ru-RU" dirty="0" smtClean="0"/>
+              <a:t>в спрайты</a:t>
+            </a:r>
+            <a:r>
+              <a:rPr lang="en-US" dirty="0" smtClean="0"/>
+              <a:t>, </a:t>
+            </a:r>
+            <a:r>
+              <a:rPr lang="ru-RU" dirty="0" smtClean="0"/>
+              <a:t>хранение отдельных объектов для удобного доступа из других модулей</a:t>
+            </a:r>
             <a:endParaRPr lang="en-US" dirty="0" smtClean="0"/>
           </a:p>
-        </p:txBody>
-      </p:sp>
-      <p:pic>
-        <p:nvPicPr>
-          <p:cNvPr id="5" name="Рисунок 4" descr="Tetris DS - Super &lt;strong&gt;Mario&lt;/strong&gt; Wiki, the &lt;strong&gt;Mario&lt;/strong&gt; encyclopedia"/>
-          <p:cNvPicPr>
-            <a:picLocks noChangeAspect="1"/>
-          </p:cNvPicPr>
-          <p:nvPr/>
-        </p:nvPicPr>
-        <p:blipFill>
-          <a:blip r:embed="rId2">
-            <a:extLst>
-              <a:ext uri="{28A0092B-C50C-407E-A947-70E740481C1C}">
-                <a14:useLocalDpi xmlns:a14="http://schemas.microsoft.com/office/drawing/2010/main" val="0"/>
-              </a:ext>
-            </a:extLst>
-          </a:blip>
-          <a:stretch>
-            <a:fillRect/>
-          </a:stretch>
-        </p:blipFill>
-        <p:spPr>
-          <a:xfrm>
-            <a:off x="826943" y="2944611"/>
-            <a:ext cx="1887806" cy="1727142"/>
-          </a:xfrm>
-          <a:prstGeom prst="rect">
-            <a:avLst/>
-          </a:prstGeom>
-        </p:spPr>
-      </p:pic>
-      <p:pic>
-        <p:nvPicPr>
-          <p:cNvPr id="6" name="Рисунок 5" descr="Category:Tetris DS Images - Super &lt;strong&gt;Mario&lt;/strong&gt; Wiki, the &lt;strong&gt;Mario&lt;/strong&gt; ..."/>
-          <p:cNvPicPr>
-            <a:picLocks noChangeAspect="1"/>
-          </p:cNvPicPr>
-          <p:nvPr/>
-        </p:nvPicPr>
-        <p:blipFill>
-          <a:blip r:embed="rId3">
-            <a:extLst>
-              <a:ext uri="{28A0092B-C50C-407E-A947-70E740481C1C}">
-                <a14:useLocalDpi xmlns:a14="http://schemas.microsoft.com/office/drawing/2010/main" val="0"/>
-              </a:ext>
-            </a:extLst>
-          </a:blip>
-          <a:stretch>
-            <a:fillRect/>
-          </a:stretch>
-        </p:blipFill>
-        <p:spPr>
-          <a:xfrm>
-            <a:off x="4206240" y="2812978"/>
-            <a:ext cx="1341384" cy="1858775"/>
-          </a:xfrm>
-          <a:prstGeom prst="rect">
-            <a:avLst/>
-          </a:prstGeom>
-        </p:spPr>
-      </p:pic>
-      <p:pic>
-        <p:nvPicPr>
-          <p:cNvPr id="7" name="Рисунок 6" descr="Super Mario Bros. 3/Enemies — StrategyWiki, the video game ..."/>
-          <p:cNvPicPr>
-            <a:picLocks noChangeAspect="1"/>
-          </p:cNvPicPr>
-          <p:nvPr/>
-        </p:nvPicPr>
-        <p:blipFill>
-          <a:blip r:embed="rId4">
-            <a:extLst>
-              <a:ext uri="{28A0092B-C50C-407E-A947-70E740481C1C}">
-                <a14:useLocalDpi xmlns:a14="http://schemas.microsoft.com/office/drawing/2010/main" val="0"/>
-              </a:ext>
-            </a:extLst>
-          </a:blip>
-          <a:stretch>
-            <a:fillRect/>
-          </a:stretch>
-        </p:blipFill>
-        <p:spPr>
-          <a:xfrm>
-            <a:off x="7314084" y="2812978"/>
-            <a:ext cx="1493113" cy="1858775"/>
-          </a:xfrm>
-          <a:prstGeom prst="rect">
-            <a:avLst/>
-          </a:prstGeom>
-        </p:spPr>
-      </p:pic>
+          <a:p>
+            <a:r>
+              <a:rPr lang="en-US" dirty="0" smtClean="0"/>
+              <a:t>Player - </a:t>
+            </a:r>
+            <a:r>
+              <a:rPr lang="ru-RU" dirty="0"/>
+              <a:t>Собственно, сам Марио. Имеет множество состояний, </a:t>
+            </a:r>
+            <a:r>
+              <a:rPr lang="ru-RU" dirty="0" err="1"/>
+              <a:t>анимаций</a:t>
+            </a:r>
+            <a:r>
+              <a:rPr lang="ru-RU" dirty="0"/>
+              <a:t>, инерцию, занимается проверками </a:t>
+            </a:r>
+            <a:r>
+              <a:rPr lang="ru-RU" dirty="0" smtClean="0"/>
+              <a:t>на</a:t>
+            </a:r>
+            <a:r>
+              <a:rPr lang="en-US" dirty="0" smtClean="0"/>
+              <a:t> </a:t>
+            </a:r>
+            <a:r>
+              <a:rPr lang="ru-RU" dirty="0" smtClean="0"/>
+              <a:t>столкновения </a:t>
+            </a:r>
+            <a:r>
+              <a:rPr lang="ru-RU" dirty="0"/>
+              <a:t>с врагами, блоками, </a:t>
+            </a:r>
+            <a:r>
+              <a:rPr lang="ru-RU" dirty="0" smtClean="0"/>
+              <a:t>замком</a:t>
+            </a:r>
+            <a:endParaRPr lang="en-US" dirty="0" smtClean="0"/>
+          </a:p>
+          <a:p>
+            <a:r>
+              <a:rPr lang="en-US" dirty="0" smtClean="0"/>
+              <a:t>Tiles, Tube</a:t>
+            </a:r>
+            <a:r>
+              <a:rPr lang="ru-RU" dirty="0" smtClean="0"/>
+              <a:t> </a:t>
+            </a:r>
+            <a:r>
+              <a:rPr lang="en-US" dirty="0" smtClean="0"/>
+              <a:t>– </a:t>
+            </a:r>
+            <a:r>
+              <a:rPr lang="ru-RU" dirty="0" err="1" smtClean="0"/>
+              <a:t>тайлы</a:t>
+            </a:r>
+            <a:r>
+              <a:rPr lang="ru-RU" dirty="0" smtClean="0"/>
+              <a:t>, частицы, создающиеся при их разрушении</a:t>
+            </a:r>
+            <a:endParaRPr lang="en-US" dirty="0" smtClean="0"/>
+          </a:p>
+          <a:p>
+            <a:r>
+              <a:rPr lang="en-US" dirty="0" smtClean="0"/>
+              <a:t>Utilities – </a:t>
+            </a:r>
+            <a:r>
+              <a:rPr lang="ru-RU" dirty="0"/>
+              <a:t>и</a:t>
+            </a:r>
+            <a:r>
+              <a:rPr lang="ru-RU" dirty="0" smtClean="0"/>
+              <a:t>гровые константы, интерфейс, камера, функции для работы с изображениями</a:t>
+            </a:r>
+          </a:p>
+        </p:txBody>
+      </p:sp>
     </p:spTree>
     <p:extLst>
       <p:ext uri="{BB962C8B-B14F-4D97-AF65-F5344CB8AC3E}">
-        <p14:creationId xmlns:p14="http://schemas.microsoft.com/office/powerpoint/2010/main" val="2707369341"/>
+        <p14:creationId xmlns:p14="http://schemas.microsoft.com/office/powerpoint/2010/main" val="134119330"/>
       </p:ext>
     </p:extLst>
   </p:cSld>
   <p:clrMapOvr>
     <a:masterClrMapping/>
   </p:clrMapOvr>
+  <p:timing>
+    <p:tnLst>
+      <p:par>
+        <p:cTn id="1" dur="indefinite" restart="never" nodeType="tmRoot"/>
+      </p:par>
+    </p:tnLst>
+  </p:timing>
 </p:sld>
 </file>
 
@@ -6326,9 +6444,12 @@
           <a:p>
             <a:r>
               <a:rPr lang="ru-RU" dirty="0" smtClean="0"/>
-              <a:t>Блоки</a:t>
-            </a:r>
-            <a:endParaRPr lang="ru-RU" dirty="0"/>
+              <a:t>Возможности </a:t>
+            </a:r>
+            <a:r>
+              <a:rPr lang="ru-RU" dirty="0"/>
+              <a:t>для доработки и развития</a:t>
+            </a:r>
           </a:p>
         </p:txBody>
       </p:sp>
@@ -6342,237 +6463,70 @@
             <p:ph idx="1"/>
           </p:nvPr>
         </p:nvSpPr>
-        <p:spPr/>
-        <p:txBody>
-          <a:bodyPr/>
-          <a:lstStyle/>
-          <a:p>
-            <a:r>
-              <a:rPr lang="ru-RU" dirty="0" smtClean="0"/>
-              <a:t>- объекты класса </a:t>
-            </a:r>
-            <a:r>
-              <a:rPr lang="en-US" dirty="0" err="1" smtClean="0"/>
-              <a:t>TilesBase</a:t>
-            </a:r>
-            <a:r>
-              <a:rPr lang="en-US" dirty="0"/>
-              <a:t> </a:t>
-            </a:r>
-            <a:r>
-              <a:rPr lang="en-US" dirty="0" smtClean="0"/>
-              <a:t>&lt;- Sprite</a:t>
-            </a:r>
-            <a:endParaRPr lang="ru-RU" dirty="0" smtClean="0"/>
-          </a:p>
-          <a:p>
-            <a:r>
-              <a:rPr lang="ru-RU" dirty="0" smtClean="0"/>
-              <a:t>Для каждого блока создан свой класс, так как у них уникальные действия, анимации и т.д.</a:t>
-            </a:r>
-          </a:p>
-          <a:p>
-            <a:r>
-              <a:rPr lang="ru-RU" dirty="0" smtClean="0"/>
-              <a:t>Из блока типа </a:t>
-            </a:r>
-            <a:r>
-              <a:rPr lang="en-US" dirty="0" smtClean="0"/>
-              <a:t>Quest </a:t>
-            </a:r>
-            <a:r>
-              <a:rPr lang="ru-RU" dirty="0" smtClean="0"/>
-              <a:t>Марио может выбить монету, гриб роста, гриб жизни, звезду, дающую неуязвимость, и цветок, превращающий большого Марио в пожарника</a:t>
-            </a:r>
-          </a:p>
-          <a:p>
-            <a:r>
-              <a:rPr lang="ru-RU" dirty="0" smtClean="0"/>
-              <a:t>Также на первом уровне имеются особенные блоки: невидимый, дающий гриб жизни, и кирпич, дающий монетки</a:t>
-            </a:r>
-            <a:endParaRPr lang="en-US" dirty="0" smtClean="0"/>
+        <p:spPr>
+          <a:xfrm>
+            <a:off x="677334" y="3101115"/>
+            <a:ext cx="8596668" cy="3880773"/>
+          </a:xfrm>
+        </p:spPr>
+        <p:txBody>
+          <a:bodyPr>
+            <a:normAutofit/>
+          </a:bodyPr>
+          <a:lstStyle/>
+          <a:p>
+            <a:r>
+              <a:rPr lang="ru-RU" sz="2800" dirty="0" smtClean="0"/>
+              <a:t>Звуки</a:t>
+            </a:r>
+          </a:p>
+          <a:p>
+            <a:r>
+              <a:rPr lang="ru-RU" sz="2800" dirty="0" smtClean="0"/>
+              <a:t>Создание таблицы рекордов</a:t>
+            </a:r>
+          </a:p>
+          <a:p>
+            <a:r>
+              <a:rPr lang="ru-RU" sz="2800" dirty="0" smtClean="0"/>
+              <a:t>Редактор </a:t>
+            </a:r>
+            <a:r>
+              <a:rPr lang="ru-RU" sz="2800" dirty="0" smtClean="0"/>
+              <a:t>уровней</a:t>
+            </a:r>
+            <a:endParaRPr lang="en-US" sz="2800" dirty="0" smtClean="0"/>
+          </a:p>
+          <a:p>
+            <a:r>
+              <a:rPr lang="ru-RU" sz="2800" dirty="0" smtClean="0"/>
+              <a:t>Меню </a:t>
+            </a:r>
+            <a:r>
+              <a:rPr lang="ru-RU" sz="2800" dirty="0" err="1" smtClean="0"/>
+              <a:t>читов</a:t>
+            </a:r>
+            <a:endParaRPr lang="ru-RU" sz="2800" dirty="0" smtClean="0"/>
           </a:p>
         </p:txBody>
       </p:sp>
     </p:spTree>
     <p:extLst>
       <p:ext uri="{BB962C8B-B14F-4D97-AF65-F5344CB8AC3E}">
-        <p14:creationId xmlns:p14="http://schemas.microsoft.com/office/powerpoint/2010/main" val="163972404"/>
+        <p14:creationId xmlns:p14="http://schemas.microsoft.com/office/powerpoint/2010/main" val="1998264130"/>
       </p:ext>
     </p:extLst>
   </p:cSld>
   <p:clrMapOvr>
     <a:masterClrMapping/>
   </p:clrMapOvr>
-</p:sld>
-</file>
-
-<file path=ppt/slides/slide6.xml><?xml version="1.0" encoding="utf-8"?>
-<p:sld xmlns:a="http://schemas.openxmlformats.org/drawingml/2006/main" xmlns:r="http://schemas.openxmlformats.org/officeDocument/2006/relationships" xmlns:p="http://schemas.openxmlformats.org/presentationml/2006/main">
-  <p:cSld>
-    <p:spTree>
-      <p:nvGrpSpPr>
-        <p:cNvPr id="1" name=""/>
-        <p:cNvGrpSpPr/>
-        <p:nvPr/>
-      </p:nvGrpSpPr>
-      <p:grpSpPr>
-        <a:xfrm>
-          <a:off x="0" y="0"/>
-          <a:ext cx="0" cy="0"/>
-          <a:chOff x="0" y="0"/>
-          <a:chExt cx="0" cy="0"/>
-        </a:xfrm>
-      </p:grpSpPr>
-      <p:sp>
-        <p:nvSpPr>
-          <p:cNvPr id="2" name="Заголовок 1"/>
-          <p:cNvSpPr>
-            <a:spLocks noGrp="1"/>
-          </p:cNvSpPr>
-          <p:nvPr>
-            <p:ph type="title"/>
-          </p:nvPr>
-        </p:nvSpPr>
-        <p:spPr/>
-        <p:txBody>
-          <a:bodyPr/>
-          <a:lstStyle/>
-          <a:p>
-            <a:r>
-              <a:rPr lang="ru-RU" dirty="0" smtClean="0"/>
-              <a:t>Карта</a:t>
-            </a:r>
-            <a:endParaRPr lang="ru-RU" dirty="0"/>
-          </a:p>
-        </p:txBody>
-      </p:sp>
-      <p:sp>
-        <p:nvSpPr>
-          <p:cNvPr id="3" name="Объект 2"/>
-          <p:cNvSpPr>
-            <a:spLocks noGrp="1"/>
-          </p:cNvSpPr>
-          <p:nvPr>
-            <p:ph idx="1"/>
-          </p:nvPr>
-        </p:nvSpPr>
-        <p:spPr/>
-        <p:txBody>
-          <a:bodyPr/>
-          <a:lstStyle/>
-          <a:p>
-            <a:r>
-              <a:rPr lang="ru-RU" dirty="0" smtClean="0"/>
-              <a:t>- объект класса </a:t>
-            </a:r>
-            <a:r>
-              <a:rPr lang="en-US" dirty="0" smtClean="0"/>
-              <a:t>Level#,</a:t>
-            </a:r>
-            <a:r>
-              <a:rPr lang="ru-RU" dirty="0" smtClean="0"/>
-              <a:t> наследованный от </a:t>
-            </a:r>
-            <a:r>
-              <a:rPr lang="en-US" dirty="0" err="1" smtClean="0"/>
-              <a:t>MapBase</a:t>
-            </a:r>
-            <a:endParaRPr lang="en-US" dirty="0" smtClean="0"/>
-          </a:p>
-          <a:p>
-            <a:r>
-              <a:rPr lang="ru-RU" dirty="0" smtClean="0"/>
-              <a:t>Принимает в себя размеры, а затем добавляются блоки, декорации, враги и т.д..</a:t>
-            </a:r>
-          </a:p>
-          <a:p>
-            <a:r>
-              <a:rPr lang="ru-RU" dirty="0" smtClean="0"/>
-              <a:t>Класс </a:t>
-            </a:r>
-            <a:r>
-              <a:rPr lang="en-US" dirty="0" smtClean="0"/>
-              <a:t>Map </a:t>
-            </a:r>
-            <a:r>
-              <a:rPr lang="ru-RU" dirty="0" smtClean="0"/>
-              <a:t>занимается переключением уровня (заново загружать текущий при смерти, загружать следующий при прохождении уровня)</a:t>
-            </a:r>
-          </a:p>
-          <a:p>
-            <a:r>
-              <a:rPr lang="ru-RU" dirty="0" smtClean="0"/>
-              <a:t>Все объекты на карте хранятся в словарях </a:t>
-            </a:r>
-            <a:r>
-              <a:rPr lang="en-US" dirty="0" smtClean="0"/>
-              <a:t>{y: [(x, </a:t>
-            </a:r>
-            <a:r>
-              <a:rPr lang="en-US" dirty="0" err="1" smtClean="0"/>
-              <a:t>params</a:t>
-            </a:r>
-            <a:r>
-              <a:rPr lang="en-US" dirty="0"/>
-              <a:t>)</a:t>
-            </a:r>
-            <a:r>
-              <a:rPr lang="en-US" dirty="0" smtClean="0"/>
-              <a:t>, …]}</a:t>
-            </a:r>
-            <a:r>
-              <a:rPr lang="ru-RU" dirty="0" smtClean="0"/>
-              <a:t> в </a:t>
-            </a:r>
-            <a:r>
-              <a:rPr lang="ru-RU" dirty="0" err="1" smtClean="0"/>
-              <a:t>соответствущих</a:t>
-            </a:r>
-            <a:r>
-              <a:rPr lang="ru-RU" dirty="0" smtClean="0"/>
-              <a:t> классах </a:t>
-            </a:r>
-            <a:r>
-              <a:rPr lang="en-US" dirty="0" smtClean="0"/>
-              <a:t>Level#</a:t>
-            </a:r>
-            <a:endParaRPr lang="ru-RU" dirty="0" smtClean="0"/>
-          </a:p>
-          <a:p>
-            <a:r>
-              <a:rPr lang="ru-RU" dirty="0" smtClean="0"/>
-              <a:t>Если развивать далее игру, то карты стоит хранить в виде файлов </a:t>
-            </a:r>
-            <a:r>
-              <a:rPr lang="en-US" dirty="0" smtClean="0"/>
-              <a:t>JSON </a:t>
-            </a:r>
-            <a:r>
-              <a:rPr lang="ru-RU" dirty="0" smtClean="0"/>
-              <a:t>или </a:t>
-            </a:r>
-            <a:r>
-              <a:rPr lang="ru-RU" dirty="0" err="1" smtClean="0"/>
-              <a:t>человекочитаемом</a:t>
-            </a:r>
-            <a:r>
-              <a:rPr lang="ru-RU" dirty="0" smtClean="0"/>
-              <a:t> формате</a:t>
-            </a:r>
-          </a:p>
-        </p:txBody>
-      </p:sp>
-    </p:spTree>
-    <p:extLst>
-      <p:ext uri="{BB962C8B-B14F-4D97-AF65-F5344CB8AC3E}">
-        <p14:creationId xmlns:p14="http://schemas.microsoft.com/office/powerpoint/2010/main" val="4258241064"/>
-      </p:ext>
-    </p:extLst>
-  </p:cSld>
-  <p:clrMapOvr>
-    <a:masterClrMapping/>
-  </p:clrMapOvr>
+  <p:timing>
+    <p:tnLst>
+      <p:par>
+        <p:cTn id="1" dur="indefinite" restart="never" nodeType="tmRoot"/>
+      </p:par>
+    </p:tnLst>
+  </p:timing>
 </p:sld>
 </file>
 
